--- a/CSE216-S19/slides/PPT/CSE216_Lec1.pptx
+++ b/CSE216-S19/slides/PPT/CSE216_Lec1.pptx
@@ -262,7 +262,7 @@
           <a:p>
             <a:fld id="{672A025E-C960-4AB6-8E8E-0EE6D13ED4ED}" type="datetimeFigureOut">
               <a:rPr lang="en-US" smtClean="0"/>
-              <a:t>2/27/2019</a:t>
+              <a:t>2/28/2019</a:t>
             </a:fld>
             <a:endParaRPr lang="en-US"/>
           </a:p>
@@ -839,7 +839,7 @@
           <a:p>
             <a:fld id="{C9450245-6F3E-4E49-A01A-33C72AF40E97}" type="datetime1">
               <a:rPr lang="en-US" smtClean="0"/>
-              <a:t>2/27/2019</a:t>
+              <a:t>2/28/2019</a:t>
             </a:fld>
             <a:endParaRPr lang="en-US" dirty="0"/>
           </a:p>
@@ -1050,7 +1050,7 @@
           <a:p>
             <a:fld id="{9D941E2E-9E30-4203-ABFC-10F381BF2A12}" type="datetime1">
               <a:rPr lang="en-US" smtClean="0"/>
-              <a:t>2/27/2019</a:t>
+              <a:t>2/28/2019</a:t>
             </a:fld>
             <a:endParaRPr lang="en-US"/>
           </a:p>
@@ -1315,7 +1315,7 @@
           <a:p>
             <a:fld id="{9D941E2E-9E30-4203-ABFC-10F381BF2A12}" type="datetime1">
               <a:rPr lang="en-US" smtClean="0"/>
-              <a:t>2/27/2019</a:t>
+              <a:t>2/28/2019</a:t>
             </a:fld>
             <a:endParaRPr lang="en-US"/>
           </a:p>
@@ -1494,7 +1494,7 @@
           <a:p>
             <a:fld id="{9D941E2E-9E30-4203-ABFC-10F381BF2A12}" type="datetime1">
               <a:rPr lang="en-US" smtClean="0"/>
-              <a:t>2/27/2019</a:t>
+              <a:t>2/28/2019</a:t>
             </a:fld>
             <a:endParaRPr lang="en-US"/>
           </a:p>
@@ -1846,7 +1846,7 @@
           <a:p>
             <a:fld id="{51173CD0-6D6C-4FEA-9A98-7F5E7DAD237A}" type="datetime1">
               <a:rPr lang="en-US" smtClean="0"/>
-              <a:t>2/27/2019</a:t>
+              <a:t>2/28/2019</a:t>
             </a:fld>
             <a:endParaRPr lang="en-US"/>
           </a:p>
@@ -2129,7 +2129,7 @@
           <a:p>
             <a:fld id="{9D941E2E-9E30-4203-ABFC-10F381BF2A12}" type="datetime1">
               <a:rPr lang="en-US" smtClean="0"/>
-              <a:t>2/27/2019</a:t>
+              <a:t>2/28/2019</a:t>
             </a:fld>
             <a:endParaRPr lang="en-US"/>
           </a:p>
@@ -2517,7 +2517,7 @@
           <a:p>
             <a:fld id="{9D941E2E-9E30-4203-ABFC-10F381BF2A12}" type="datetime1">
               <a:rPr lang="en-US" smtClean="0"/>
-              <a:t>2/27/2019</a:t>
+              <a:t>2/28/2019</a:t>
             </a:fld>
             <a:endParaRPr lang="en-US"/>
           </a:p>
@@ -2644,7 +2644,7 @@
           <a:p>
             <a:fld id="{4C94B876-920C-40A7-A429-70EA2E711116}" type="datetime1">
               <a:rPr lang="en-US" smtClean="0"/>
-              <a:t>2/27/2019</a:t>
+              <a:t>2/28/2019</a:t>
             </a:fld>
             <a:endParaRPr lang="en-US"/>
           </a:p>
@@ -2823,7 +2823,7 @@
           <a:p>
             <a:fld id="{687BB759-A4D2-4F8B-AEBE-C918CFB723A5}" type="datetime1">
               <a:rPr lang="en-US" smtClean="0"/>
-              <a:t>2/27/2019</a:t>
+              <a:t>2/28/2019</a:t>
             </a:fld>
             <a:endParaRPr lang="en-US"/>
           </a:p>
@@ -3185,7 +3185,7 @@
           <a:p>
             <a:fld id="{9D941E2E-9E30-4203-ABFC-10F381BF2A12}" type="datetime1">
               <a:rPr lang="en-US" smtClean="0"/>
-              <a:t>2/27/2019</a:t>
+              <a:t>2/28/2019</a:t>
             </a:fld>
             <a:endParaRPr lang="en-US"/>
           </a:p>
@@ -3571,7 +3571,7 @@
           <a:p>
             <a:fld id="{B7BE5A15-D7AD-40D4-96ED-A55891BF6EC5}" type="datetime1">
               <a:rPr lang="en-US" smtClean="0"/>
-              <a:t>2/27/2019</a:t>
+              <a:t>2/28/2019</a:t>
             </a:fld>
             <a:endParaRPr lang="en-US"/>
           </a:p>
@@ -3866,7 +3866,7 @@
           <a:p>
             <a:fld id="{9D941E2E-9E30-4203-ABFC-10F381BF2A12}" type="datetime1">
               <a:rPr lang="en-US" smtClean="0"/>
-              <a:t>2/27/2019</a:t>
+              <a:t>2/28/2019</a:t>
             </a:fld>
             <a:endParaRPr lang="en-US"/>
           </a:p>
